--- a/Semana 1/Arduino.pptx
+++ b/Semana 1/Arduino.pptx
@@ -5,7 +5,7 @@
     <p:sldMasterId id="2147483964" r:id="rId1"/>
   </p:sldMasterIdLst>
   <p:notesMasterIdLst>
-    <p:notesMasterId r:id="rId16"/>
+    <p:notesMasterId r:id="rId18"/>
   </p:notesMasterIdLst>
   <p:sldIdLst>
     <p:sldId id="256" r:id="rId2"/>
@@ -22,6 +22,8 @@
     <p:sldId id="283" r:id="rId13"/>
     <p:sldId id="284" r:id="rId14"/>
     <p:sldId id="285" r:id="rId15"/>
+    <p:sldId id="286" r:id="rId16"/>
+    <p:sldId id="287" r:id="rId17"/>
   </p:sldIdLst>
   <p:sldSz cx="9144000" cy="5143500" type="screen16x9"/>
   <p:notesSz cx="6858000" cy="9144000"/>
@@ -1172,7 +1174,7 @@
           <a:p>
             <a:fld id="{33D65C4C-E6C6-1D47-AF12-AE806350355C}" type="datetimeFigureOut">
               <a:rPr lang="en-US" smtClean="0"/>
-              <a:t>1/20/2020</a:t>
+              <a:t>1/22/20</a:t>
             </a:fld>
             <a:endParaRPr lang="en-US"/>
           </a:p>
@@ -1255,7 +1257,7 @@
             </a:pPr>
             <a:fld id="{00000000-1234-1234-1234-123412341234}" type="slidenum">
               <a:rPr lang="es" smtClean="0"/>
-              <a:t>‹Nº›</a:t>
+              <a:t>‹#›</a:t>
             </a:fld>
             <a:endParaRPr lang="es"/>
           </a:p>
@@ -1444,7 +1446,7 @@
           <a:p>
             <a:fld id="{33D65C4C-E6C6-1D47-AF12-AE806350355C}" type="datetimeFigureOut">
               <a:rPr lang="en-US" smtClean="0"/>
-              <a:t>1/20/2020</a:t>
+              <a:t>1/22/20</a:t>
             </a:fld>
             <a:endParaRPr lang="en-US"/>
           </a:p>
@@ -1495,7 +1497,7 @@
             </a:pPr>
             <a:fld id="{00000000-1234-1234-1234-123412341234}" type="slidenum">
               <a:rPr lang="es" smtClean="0"/>
-              <a:t>‹Nº›</a:t>
+              <a:t>‹#›</a:t>
             </a:fld>
             <a:endParaRPr lang="es"/>
           </a:p>
@@ -1689,7 +1691,7 @@
           <a:p>
             <a:fld id="{33D65C4C-E6C6-1D47-AF12-AE806350355C}" type="datetimeFigureOut">
               <a:rPr lang="en-US" smtClean="0"/>
-              <a:t>1/20/2020</a:t>
+              <a:t>1/22/20</a:t>
             </a:fld>
             <a:endParaRPr lang="en-US"/>
           </a:p>
@@ -1761,7 +1763,7 @@
             </a:pPr>
             <a:fld id="{00000000-1234-1234-1234-123412341234}" type="slidenum">
               <a:rPr lang="es" smtClean="0"/>
-              <a:t>‹Nº›</a:t>
+              <a:t>‹#›</a:t>
             </a:fld>
             <a:endParaRPr lang="es"/>
           </a:p>
@@ -2129,7 +2131,7 @@
             </a:pPr>
             <a:fld id="{00000000-1234-1234-1234-123412341234}" type="slidenum">
               <a:rPr lang="es"/>
-              <a:t>‹Nº›</a:t>
+              <a:t>‹#›</a:t>
             </a:fld>
             <a:endParaRPr/>
           </a:p>
@@ -2306,7 +2308,7 @@
           <a:p>
             <a:fld id="{33D65C4C-E6C6-1D47-AF12-AE806350355C}" type="datetimeFigureOut">
               <a:rPr lang="en-US" smtClean="0"/>
-              <a:t>1/20/2020</a:t>
+              <a:t>1/22/20</a:t>
             </a:fld>
             <a:endParaRPr lang="en-US"/>
           </a:p>
@@ -2362,7 +2364,7 @@
             </a:pPr>
             <a:fld id="{00000000-1234-1234-1234-123412341234}" type="slidenum">
               <a:rPr lang="es" smtClean="0"/>
-              <a:t>‹Nº›</a:t>
+              <a:t>‹#›</a:t>
             </a:fld>
             <a:endParaRPr lang="es"/>
           </a:p>
@@ -2623,7 +2625,7 @@
           <a:p>
             <a:fld id="{33D65C4C-E6C6-1D47-AF12-AE806350355C}" type="datetimeFigureOut">
               <a:rPr lang="en-US" smtClean="0"/>
-              <a:t>1/20/2020</a:t>
+              <a:t>1/22/20</a:t>
             </a:fld>
             <a:endParaRPr lang="en-US"/>
           </a:p>
@@ -2696,7 +2698,7 @@
             </a:pPr>
             <a:fld id="{00000000-1234-1234-1234-123412341234}" type="slidenum">
               <a:rPr lang="es" smtClean="0"/>
-              <a:t>‹Nº›</a:t>
+              <a:t>‹#›</a:t>
             </a:fld>
             <a:endParaRPr lang="es"/>
           </a:p>
@@ -2935,7 +2937,7 @@
           <a:p>
             <a:fld id="{33D65C4C-E6C6-1D47-AF12-AE806350355C}" type="datetimeFigureOut">
               <a:rPr lang="en-US" smtClean="0"/>
-              <a:t>1/20/2020</a:t>
+              <a:t>1/22/20</a:t>
             </a:fld>
             <a:endParaRPr lang="en-US"/>
           </a:p>
@@ -2986,7 +2988,7 @@
             </a:pPr>
             <a:fld id="{00000000-1234-1234-1234-123412341234}" type="slidenum">
               <a:rPr lang="es" smtClean="0"/>
-              <a:t>‹Nº›</a:t>
+              <a:t>‹#›</a:t>
             </a:fld>
             <a:endParaRPr lang="es"/>
           </a:p>
@@ -3372,7 +3374,7 @@
           <a:p>
             <a:fld id="{33D65C4C-E6C6-1D47-AF12-AE806350355C}" type="datetimeFigureOut">
               <a:rPr lang="en-US" smtClean="0"/>
-              <a:t>1/20/2020</a:t>
+              <a:t>1/22/20</a:t>
             </a:fld>
             <a:endParaRPr lang="en-US"/>
           </a:p>
@@ -3423,7 +3425,7 @@
             </a:pPr>
             <a:fld id="{00000000-1234-1234-1234-123412341234}" type="slidenum">
               <a:rPr lang="es" smtClean="0"/>
-              <a:t>‹Nº›</a:t>
+              <a:t>‹#›</a:t>
             </a:fld>
             <a:endParaRPr lang="es"/>
           </a:p>
@@ -3549,7 +3551,7 @@
           <a:p>
             <a:fld id="{33D65C4C-E6C6-1D47-AF12-AE806350355C}" type="datetimeFigureOut">
               <a:rPr lang="en-US" smtClean="0"/>
-              <a:t>1/20/2020</a:t>
+              <a:t>1/22/20</a:t>
             </a:fld>
             <a:endParaRPr lang="en-US"/>
           </a:p>
@@ -3600,7 +3602,7 @@
             </a:pPr>
             <a:fld id="{00000000-1234-1234-1234-123412341234}" type="slidenum">
               <a:rPr lang="es" smtClean="0"/>
-              <a:t>‹Nº›</a:t>
+              <a:t>‹#›</a:t>
             </a:fld>
             <a:endParaRPr lang="es"/>
           </a:p>
@@ -3654,7 +3656,7 @@
           <a:p>
             <a:fld id="{33D65C4C-E6C6-1D47-AF12-AE806350355C}" type="datetimeFigureOut">
               <a:rPr lang="en-US" smtClean="0"/>
-              <a:t>1/20/2020</a:t>
+              <a:t>1/22/20</a:t>
             </a:fld>
             <a:endParaRPr lang="en-US"/>
           </a:p>
@@ -3705,7 +3707,7 @@
             </a:pPr>
             <a:fld id="{00000000-1234-1234-1234-123412341234}" type="slidenum">
               <a:rPr lang="es" smtClean="0"/>
-              <a:t>‹Nº›</a:t>
+              <a:t>‹#›</a:t>
             </a:fld>
             <a:endParaRPr lang="es"/>
           </a:p>
@@ -4041,7 +4043,7 @@
           <a:p>
             <a:fld id="{33D65C4C-E6C6-1D47-AF12-AE806350355C}" type="datetimeFigureOut">
               <a:rPr lang="en-US" smtClean="0"/>
-              <a:t>1/20/2020</a:t>
+              <a:t>1/22/20</a:t>
             </a:fld>
             <a:endParaRPr lang="en-US"/>
           </a:p>
@@ -4114,7 +4116,7 @@
             </a:pPr>
             <a:fld id="{00000000-1234-1234-1234-123412341234}" type="slidenum">
               <a:rPr lang="es" smtClean="0"/>
-              <a:t>‹Nº›</a:t>
+              <a:t>‹#›</a:t>
             </a:fld>
             <a:endParaRPr lang="es"/>
           </a:p>
@@ -4345,7 +4347,7 @@
           <a:p>
             <a:fld id="{33D65C4C-E6C6-1D47-AF12-AE806350355C}" type="datetimeFigureOut">
               <a:rPr lang="en-US" smtClean="0"/>
-              <a:t>1/20/2020</a:t>
+              <a:t>1/22/20</a:t>
             </a:fld>
             <a:endParaRPr lang="en-US"/>
           </a:p>
@@ -4396,7 +4398,7 @@
             </a:pPr>
             <a:fld id="{00000000-1234-1234-1234-123412341234}" type="slidenum">
               <a:rPr lang="es" smtClean="0"/>
-              <a:t>‹Nº›</a:t>
+              <a:t>‹#›</a:t>
             </a:fld>
             <a:endParaRPr lang="es"/>
           </a:p>
@@ -4566,7 +4568,7 @@
           <a:p>
             <a:fld id="{33D65C4C-E6C6-1D47-AF12-AE806350355C}" type="datetimeFigureOut">
               <a:rPr lang="en-US" smtClean="0"/>
-              <a:t>1/20/2020</a:t>
+              <a:t>1/22/20</a:t>
             </a:fld>
             <a:endParaRPr lang="en-US"/>
           </a:p>
@@ -4649,7 +4651,7 @@
             </a:pPr>
             <a:fld id="{00000000-1234-1234-1234-123412341234}" type="slidenum">
               <a:rPr lang="es" smtClean="0"/>
-              <a:t>‹Nº›</a:t>
+              <a:t>‹#›</a:t>
             </a:fld>
             <a:endParaRPr lang="es"/>
           </a:p>
@@ -5323,13 +5325,6 @@
   <p:clrMapOvr>
     <a:masterClrMapping/>
   </p:clrMapOvr>
-  <p:timing>
-    <p:tnLst>
-      <p:par>
-        <p:cTn id="1" dur="indefinite" restart="never" nodeType="tmRoot"/>
-      </p:par>
-    </p:tnLst>
-  </p:timing>
 </p:sld>
 </file>
 
@@ -5366,7 +5361,7 @@
           <a:lstStyle/>
           <a:p>
             <a:r>
-              <a:rPr lang="es-ES" dirty="0" smtClean="0">
+              <a:rPr lang="es-ES" dirty="0">
                 <a:solidFill>
                   <a:schemeClr val="tx1"/>
                 </a:solidFill>
@@ -5402,52 +5397,52 @@
           <a:lstStyle/>
           <a:p>
             <a:r>
-              <a:rPr lang="es-ES" dirty="0" smtClean="0"/>
+              <a:rPr lang="es-ES" dirty="0"/>
               <a:t>Los actuadores son elementos de salida</a:t>
             </a:r>
           </a:p>
           <a:p>
-            <a:endParaRPr lang="es-ES" dirty="0" smtClean="0"/>
-          </a:p>
-          <a:p>
             <a:endParaRPr lang="es-ES" dirty="0"/>
           </a:p>
           <a:p>
-            <a:r>
-              <a:rPr lang="es-ES" dirty="0" smtClean="0"/>
+            <a:endParaRPr lang="es-ES" dirty="0"/>
+          </a:p>
+          <a:p>
+            <a:r>
+              <a:rPr lang="es-ES" dirty="0"/>
               <a:t>Significa que el </a:t>
             </a:r>
             <a:r>
-              <a:rPr lang="es-ES" dirty="0" err="1" smtClean="0"/>
+              <a:rPr lang="es-ES" dirty="0" err="1"/>
               <a:t>Arduino</a:t>
             </a:r>
             <a:r>
-              <a:rPr lang="es-ES" dirty="0" smtClean="0"/>
+              <a:rPr lang="es-ES" dirty="0"/>
               <a:t> los va a poder </a:t>
             </a:r>
             <a:r>
-              <a:rPr lang="es-ES" b="1" i="1" dirty="0" smtClean="0"/>
+              <a:rPr lang="es-ES" b="1" i="1" dirty="0"/>
               <a:t>MANIPULAR</a:t>
             </a:r>
-            <a:endParaRPr lang="es-ES" dirty="0" smtClean="0"/>
+            <a:endParaRPr lang="es-ES" dirty="0"/>
           </a:p>
           <a:p>
             <a:endParaRPr lang="es-ES" b="1" i="1" dirty="0"/>
           </a:p>
           <a:p>
-            <a:endParaRPr lang="es-ES" b="1" i="1" dirty="0" smtClean="0"/>
-          </a:p>
-          <a:p>
-            <a:r>
-              <a:rPr lang="es-ES" b="1" i="1" dirty="0" smtClean="0"/>
+            <a:endParaRPr lang="es-ES" b="1" i="1" dirty="0"/>
+          </a:p>
+          <a:p>
+            <a:r>
+              <a:rPr lang="es-ES" b="1" i="1" dirty="0"/>
               <a:t>Realmente, lo que el </a:t>
             </a:r>
             <a:r>
-              <a:rPr lang="es-ES" b="1" i="1" dirty="0" err="1" smtClean="0"/>
+              <a:rPr lang="es-ES" b="1" i="1" dirty="0" err="1"/>
               <a:t>Arduino</a:t>
             </a:r>
             <a:r>
-              <a:rPr lang="es-ES" b="1" i="1" dirty="0" smtClean="0"/>
+              <a:rPr lang="es-ES" b="1" i="1" dirty="0"/>
               <a:t> hace es usar voltajes para controlar la salida</a:t>
             </a:r>
             <a:endParaRPr lang="es-CO" b="1" i="1" dirty="0"/>
@@ -5477,7 +5472,7 @@
           <a:p>
             <a:pPr algn="ctr"/>
             <a:r>
-              <a:rPr lang="es-ES" sz="2800" b="1" i="1" dirty="0" smtClean="0"/>
+              <a:rPr lang="es-ES" sz="2800" b="1" i="1" dirty="0"/>
               <a:t>¿Qué actuadores conoce usted?</a:t>
             </a:r>
             <a:endParaRPr lang="es-CO" sz="2800" b="1" i="1" dirty="0"/>
@@ -5642,7 +5637,7 @@
           <a:lstStyle/>
           <a:p>
             <a:r>
-              <a:rPr lang="es-ES" b="1" i="1" dirty="0" smtClean="0"/>
+              <a:rPr lang="es-ES" b="1" i="1" dirty="0"/>
               <a:t>actuadores</a:t>
             </a:r>
             <a:endParaRPr lang="es-CO" dirty="0"/>
@@ -5659,13 +5654,6 @@
   <p:clrMapOvr>
     <a:masterClrMapping/>
   </p:clrMapOvr>
-  <p:timing>
-    <p:tnLst>
-      <p:par>
-        <p:cTn id="1" dur="indefinite" restart="never" nodeType="tmRoot"/>
-      </p:par>
-    </p:tnLst>
-  </p:timing>
 </p:sld>
 </file>
 
@@ -5702,7 +5690,7 @@
           <a:lstStyle/>
           <a:p>
             <a:r>
-              <a:rPr lang="es-ES" dirty="0" smtClean="0"/>
+              <a:rPr lang="es-ES" dirty="0"/>
               <a:t>PROGRAMACIÓN</a:t>
             </a:r>
             <a:endParaRPr lang="es-CO" dirty="0"/>
@@ -5725,7 +5713,7 @@
           <a:lstStyle/>
           <a:p>
             <a:r>
-              <a:rPr lang="es-ES" dirty="0" smtClean="0"/>
+              <a:rPr lang="es-ES" dirty="0"/>
               <a:t>ARDUINO</a:t>
             </a:r>
             <a:endParaRPr lang="es-CO" dirty="0"/>
@@ -5742,13 +5730,6 @@
   <p:clrMapOvr>
     <a:masterClrMapping/>
   </p:clrMapOvr>
-  <p:timing>
-    <p:tnLst>
-      <p:par>
-        <p:cTn id="1" dur="indefinite" restart="never" nodeType="tmRoot"/>
-      </p:par>
-    </p:tnLst>
-  </p:timing>
 </p:sld>
 </file>
 
@@ -5785,7 +5766,7 @@
           <a:lstStyle/>
           <a:p>
             <a:r>
-              <a:rPr lang="es-ES" dirty="0" smtClean="0">
+              <a:rPr lang="es-ES" dirty="0">
                 <a:solidFill>
                   <a:schemeClr val="tx1"/>
                 </a:solidFill>
@@ -5824,7 +5805,7 @@
               <a:buNone/>
             </a:pPr>
             <a:r>
-              <a:rPr lang="es-ES" dirty="0" smtClean="0"/>
+              <a:rPr lang="es-ES" dirty="0"/>
               <a:t>Todos nuestros conocimientos en programación nos servirán para:</a:t>
             </a:r>
           </a:p>
@@ -5833,7 +5814,7 @@
           </a:p>
           <a:p>
             <a:r>
-              <a:rPr lang="es-ES" dirty="0" smtClean="0"/>
+              <a:rPr lang="es-ES" dirty="0"/>
               <a:t>1. Recibir los datos producidos por los sensores.</a:t>
             </a:r>
           </a:p>
@@ -5842,7 +5823,7 @@
           </a:p>
           <a:p>
             <a:r>
-              <a:rPr lang="es-ES" dirty="0" smtClean="0"/>
+              <a:rPr lang="es-ES" dirty="0"/>
               <a:t>II. Procesarlos por medio de programación</a:t>
             </a:r>
           </a:p>
@@ -5851,7 +5832,7 @@
           </a:p>
           <a:p>
             <a:r>
-              <a:rPr lang="es-ES" dirty="0" smtClean="0"/>
+              <a:rPr lang="es-ES" dirty="0"/>
               <a:t>III. Ejercer una acción mediante un actuador.</a:t>
             </a:r>
             <a:endParaRPr lang="es-CO" b="1" i="1" dirty="0"/>
@@ -6016,7 +5997,7 @@
           <a:lstStyle/>
           <a:p>
             <a:r>
-              <a:rPr lang="es-ES" b="1" i="1" dirty="0" smtClean="0"/>
+              <a:rPr lang="es-ES" b="1" i="1" dirty="0"/>
               <a:t>actuadores</a:t>
             </a:r>
             <a:endParaRPr lang="es-CO" dirty="0"/>
@@ -6033,13 +6014,6 @@
   <p:clrMapOvr>
     <a:masterClrMapping/>
   </p:clrMapOvr>
-  <p:timing>
-    <p:tnLst>
-      <p:par>
-        <p:cTn id="1" dur="indefinite" restart="never" nodeType="tmRoot"/>
-      </p:par>
-    </p:tnLst>
-  </p:timing>
 </p:sld>
 </file>
 
@@ -6076,7 +6050,7 @@
           <a:lstStyle/>
           <a:p>
             <a:r>
-              <a:rPr lang="es-ES" dirty="0" smtClean="0">
+              <a:rPr lang="es-ES" dirty="0">
                 <a:solidFill>
                   <a:schemeClr val="tx1"/>
                 </a:solidFill>
@@ -6115,10 +6089,10 @@
               <a:buNone/>
             </a:pPr>
             <a:r>
-              <a:rPr lang="es-ES" dirty="0" smtClean="0"/>
+              <a:rPr lang="es-ES" dirty="0"/>
               <a:t>Programas más complejos posibilitarán también ejercer una acción por datos recibidos desde el PC.</a:t>
             </a:r>
-            <a:endParaRPr lang="es-ES" b="1" i="1" dirty="0" smtClean="0"/>
+            <a:endParaRPr lang="es-ES" b="1" i="1" dirty="0"/>
           </a:p>
           <a:p>
             <a:pPr marL="114300" indent="0">
@@ -6131,18 +6105,18 @@
               <a:buNone/>
             </a:pPr>
             <a:r>
-              <a:rPr lang="es-ES" b="1" i="1" dirty="0" smtClean="0"/>
+              <a:rPr lang="es-ES" b="1" i="1" dirty="0"/>
               <a:t>Es decir que </a:t>
             </a:r>
             <a:r>
-              <a:rPr lang="es-ES" b="1" i="1" dirty="0" err="1" smtClean="0"/>
+              <a:rPr lang="es-ES" b="1" i="1" dirty="0" err="1"/>
               <a:t>Arduino</a:t>
             </a:r>
             <a:r>
-              <a:rPr lang="es-ES" b="1" i="1" dirty="0" smtClean="0"/>
+              <a:rPr lang="es-ES" b="1" i="1" dirty="0"/>
               <a:t> también permite leer datos enviados por el PC como si se tratara de un SENSOR DE DATOS.</a:t>
             </a:r>
-            <a:endParaRPr lang="es-ES" dirty="0" smtClean="0"/>
+            <a:endParaRPr lang="es-ES" dirty="0"/>
           </a:p>
         </p:txBody>
       </p:sp>
@@ -6304,7 +6278,7 @@
           <a:lstStyle/>
           <a:p>
             <a:r>
-              <a:rPr lang="es-ES" b="1" i="1" dirty="0" smtClean="0"/>
+              <a:rPr lang="es-ES" b="1" i="1" dirty="0"/>
               <a:t>actuadores</a:t>
             </a:r>
             <a:endParaRPr lang="es-CO" dirty="0"/>
@@ -6366,7 +6340,7 @@
           <a:lstStyle/>
           <a:p>
             <a:r>
-              <a:rPr lang="es-ES" b="1" i="1" dirty="0" smtClean="0"/>
+              <a:rPr lang="es-ES" b="1" i="1" dirty="0"/>
               <a:t>USB</a:t>
             </a:r>
             <a:endParaRPr lang="es-CO" dirty="0"/>
@@ -6424,13 +6398,6 @@
   <p:clrMapOvr>
     <a:masterClrMapping/>
   </p:clrMapOvr>
-  <p:timing>
-    <p:tnLst>
-      <p:par>
-        <p:cTn id="1" dur="indefinite" restart="never" nodeType="tmRoot"/>
-      </p:par>
-    </p:tnLst>
-  </p:timing>
 </p:sld>
 </file>
 
@@ -6467,7 +6434,7 @@
           <a:lstStyle/>
           <a:p>
             <a:r>
-              <a:rPr lang="es-ES" dirty="0" smtClean="0">
+              <a:rPr lang="es-ES" dirty="0">
                 <a:solidFill>
                   <a:schemeClr val="tx1"/>
                 </a:solidFill>
@@ -6506,22 +6473,22 @@
               <a:buNone/>
             </a:pPr>
             <a:r>
-              <a:rPr lang="es-ES" b="1" i="1" dirty="0" err="1" smtClean="0"/>
+              <a:rPr lang="es-ES" b="1" i="1" dirty="0" err="1"/>
               <a:t>Arduino</a:t>
             </a:r>
             <a:r>
-              <a:rPr lang="es-ES" b="1" i="1" dirty="0" smtClean="0"/>
+              <a:rPr lang="es-ES" b="1" i="1" dirty="0"/>
               <a:t> también puede enviar datos al PC de modo que podremos programar actuadores virtuales que reaccionarán según lo que </a:t>
             </a:r>
             <a:r>
-              <a:rPr lang="es-ES" b="1" i="1" dirty="0" err="1" smtClean="0"/>
+              <a:rPr lang="es-ES" b="1" i="1" dirty="0" err="1"/>
               <a:t>Arduino</a:t>
             </a:r>
             <a:r>
-              <a:rPr lang="es-ES" b="1" i="1" dirty="0" smtClean="0"/>
+              <a:rPr lang="es-ES" b="1" i="1" dirty="0"/>
               <a:t> envíe.</a:t>
             </a:r>
-            <a:endParaRPr lang="es-ES" dirty="0" smtClean="0"/>
+            <a:endParaRPr lang="es-ES" dirty="0"/>
           </a:p>
         </p:txBody>
       </p:sp>
@@ -6683,7 +6650,7 @@
           <a:lstStyle/>
           <a:p>
             <a:r>
-              <a:rPr lang="es-ES" b="1" i="1" dirty="0" smtClean="0"/>
+              <a:rPr lang="es-ES" b="1" i="1" dirty="0"/>
               <a:t>actuadores</a:t>
             </a:r>
             <a:endParaRPr lang="es-CO" dirty="0"/>
@@ -6747,7 +6714,7 @@
           <a:lstStyle/>
           <a:p>
             <a:r>
-              <a:rPr lang="es-ES" b="1" i="1" dirty="0" smtClean="0"/>
+              <a:rPr lang="es-ES" b="1" i="1" dirty="0"/>
               <a:t>USB</a:t>
             </a:r>
             <a:endParaRPr lang="es-CO" dirty="0"/>
@@ -6805,13 +6772,355 @@
   <p:clrMapOvr>
     <a:masterClrMapping/>
   </p:clrMapOvr>
-  <p:timing>
-    <p:tnLst>
-      <p:par>
-        <p:cTn id="1" dur="indefinite" restart="never" nodeType="tmRoot"/>
-      </p:par>
-    </p:tnLst>
-  </p:timing>
+</p:sld>
+</file>
+
+<file path=ppt/slides/slide15.xml><?xml version="1.0" encoding="utf-8"?>
+<p:sld xmlns:a="http://schemas.openxmlformats.org/drawingml/2006/main" xmlns:r="http://schemas.openxmlformats.org/officeDocument/2006/relationships" xmlns:p="http://schemas.openxmlformats.org/presentationml/2006/main">
+  <p:cSld>
+    <p:spTree>
+      <p:nvGrpSpPr>
+        <p:cNvPr id="1" name=""/>
+        <p:cNvGrpSpPr/>
+        <p:nvPr/>
+      </p:nvGrpSpPr>
+      <p:grpSpPr>
+        <a:xfrm>
+          <a:off x="0" y="0"/>
+          <a:ext cx="0" cy="0"/>
+          <a:chOff x="0" y="0"/>
+          <a:chExt cx="0" cy="0"/>
+        </a:xfrm>
+      </p:grpSpPr>
+      <p:sp>
+        <p:nvSpPr>
+          <p:cNvPr id="2" name="Título 1"/>
+          <p:cNvSpPr>
+            <a:spLocks noGrp="1"/>
+          </p:cNvSpPr>
+          <p:nvPr>
+            <p:ph type="ctrTitle"/>
+          </p:nvPr>
+        </p:nvSpPr>
+        <p:spPr/>
+        <p:txBody>
+          <a:bodyPr/>
+          <a:lstStyle/>
+          <a:p>
+            <a:r>
+              <a:rPr lang="es-ES" dirty="0"/>
+              <a:t>INICIO</a:t>
+            </a:r>
+            <a:endParaRPr lang="es-CO" dirty="0"/>
+          </a:p>
+        </p:txBody>
+      </p:sp>
+      <p:sp>
+        <p:nvSpPr>
+          <p:cNvPr id="3" name="Subtítulo 2"/>
+          <p:cNvSpPr>
+            <a:spLocks noGrp="1"/>
+          </p:cNvSpPr>
+          <p:nvPr>
+            <p:ph type="subTitle" idx="1"/>
+          </p:nvPr>
+        </p:nvSpPr>
+        <p:spPr/>
+        <p:txBody>
+          <a:bodyPr/>
+          <a:lstStyle/>
+          <a:p>
+            <a:r>
+              <a:rPr lang="es-ES" dirty="0"/>
+              <a:t>ARDUINO</a:t>
+            </a:r>
+            <a:endParaRPr lang="es-CO" dirty="0"/>
+          </a:p>
+        </p:txBody>
+      </p:sp>
+    </p:spTree>
+    <p:extLst>
+      <p:ext uri="{BB962C8B-B14F-4D97-AF65-F5344CB8AC3E}">
+        <p14:creationId xmlns:p14="http://schemas.microsoft.com/office/powerpoint/2010/main" val="447875350"/>
+      </p:ext>
+    </p:extLst>
+  </p:cSld>
+  <p:clrMapOvr>
+    <a:masterClrMapping/>
+  </p:clrMapOvr>
+</p:sld>
+</file>
+
+<file path=ppt/slides/slide16.xml><?xml version="1.0" encoding="utf-8"?>
+<p:sld xmlns:a="http://schemas.openxmlformats.org/drawingml/2006/main" xmlns:r="http://schemas.openxmlformats.org/officeDocument/2006/relationships" xmlns:p="http://schemas.openxmlformats.org/presentationml/2006/main">
+  <p:cSld>
+    <p:spTree>
+      <p:nvGrpSpPr>
+        <p:cNvPr id="1" name=""/>
+        <p:cNvGrpSpPr/>
+        <p:nvPr/>
+      </p:nvGrpSpPr>
+      <p:grpSpPr>
+        <a:xfrm>
+          <a:off x="0" y="0"/>
+          <a:ext cx="0" cy="0"/>
+          <a:chOff x="0" y="0"/>
+          <a:chExt cx="0" cy="0"/>
+        </a:xfrm>
+      </p:grpSpPr>
+      <p:sp>
+        <p:nvSpPr>
+          <p:cNvPr id="2" name="Título 1"/>
+          <p:cNvSpPr>
+            <a:spLocks noGrp="1"/>
+          </p:cNvSpPr>
+          <p:nvPr>
+            <p:ph type="title"/>
+          </p:nvPr>
+        </p:nvSpPr>
+        <p:spPr/>
+        <p:txBody>
+          <a:bodyPr/>
+          <a:lstStyle/>
+          <a:p>
+            <a:r>
+              <a:rPr lang="es-ES" dirty="0">
+                <a:solidFill>
+                  <a:schemeClr val="tx1"/>
+                </a:solidFill>
+              </a:rPr>
+              <a:t>INICIO</a:t>
+            </a:r>
+            <a:endParaRPr lang="es-CO" dirty="0">
+              <a:solidFill>
+                <a:schemeClr val="tx1"/>
+              </a:solidFill>
+            </a:endParaRPr>
+          </a:p>
+        </p:txBody>
+      </p:sp>
+      <p:sp>
+        <p:nvSpPr>
+          <p:cNvPr id="3" name="Marcador de texto 2"/>
+          <p:cNvSpPr>
+            <a:spLocks noGrp="1"/>
+          </p:cNvSpPr>
+          <p:nvPr>
+            <p:ph type="body" idx="1"/>
+          </p:nvPr>
+        </p:nvSpPr>
+        <p:spPr>
+          <a:xfrm>
+            <a:off x="311700" y="1152475"/>
+            <a:ext cx="4394115" cy="3416400"/>
+          </a:xfrm>
+        </p:spPr>
+        <p:txBody>
+          <a:bodyPr/>
+          <a:lstStyle/>
+          <a:p>
+            <a:pPr marL="114300" indent="0">
+              <a:buNone/>
+            </a:pPr>
+            <a:r>
+              <a:rPr lang="es-ES" b="1" i="1" dirty="0"/>
+              <a:t>Para comenzar, conectemos el </a:t>
+            </a:r>
+            <a:r>
+              <a:rPr lang="es-ES" b="1" i="1" dirty="0" err="1"/>
+              <a:t>Arduino</a:t>
+            </a:r>
+            <a:r>
+              <a:rPr lang="es-ES" b="1" i="1" dirty="0"/>
+              <a:t> y miremos cómo utilizar el IDE de </a:t>
+            </a:r>
+            <a:r>
+              <a:rPr lang="es-ES" b="1" i="1" dirty="0" err="1"/>
+              <a:t>Arduino</a:t>
+            </a:r>
+            <a:r>
+              <a:rPr lang="es-ES" b="1" i="1" dirty="0"/>
+              <a:t>.</a:t>
+            </a:r>
+          </a:p>
+          <a:p>
+            <a:pPr marL="114300" indent="0">
+              <a:buNone/>
+            </a:pPr>
+            <a:endParaRPr lang="es-ES" b="1" i="1" dirty="0"/>
+          </a:p>
+          <a:p>
+            <a:pPr marL="114300" indent="0">
+              <a:buNone/>
+            </a:pPr>
+            <a:r>
+              <a:rPr lang="es-ES" b="1" i="1" dirty="0"/>
+              <a:t>Miremos también cómo utilizar herramientas como </a:t>
+            </a:r>
+            <a:r>
+              <a:rPr lang="es-ES" b="1" i="1"/>
+              <a:t>la consola.</a:t>
+            </a:r>
+            <a:endParaRPr lang="es-ES" dirty="0"/>
+          </a:p>
+        </p:txBody>
+      </p:sp>
+      <p:pic>
+        <p:nvPicPr>
+          <p:cNvPr id="5" name="Picture 2" descr="Resultado de imagen para Arduino UNO"/>
+          <p:cNvPicPr>
+            <a:picLocks noChangeAspect="1" noChangeArrowheads="1"/>
+          </p:cNvPicPr>
+          <p:nvPr/>
+        </p:nvPicPr>
+        <p:blipFill>
+          <a:blip r:embed="rId2">
+            <a:extLst>
+              <a:ext uri="{28A0092B-C50C-407E-A947-70E740481C1C}">
+                <a14:useLocalDpi xmlns:a14="http://schemas.microsoft.com/office/drawing/2010/main" val="0"/>
+              </a:ext>
+            </a:extLst>
+          </a:blip>
+          <a:srcRect/>
+          <a:stretch>
+            <a:fillRect/>
+          </a:stretch>
+        </p:blipFill>
+        <p:spPr bwMode="auto">
+          <a:xfrm>
+            <a:off x="5922642" y="1524000"/>
+            <a:ext cx="1981714" cy="1410449"/>
+          </a:xfrm>
+          <a:prstGeom prst="rect">
+            <a:avLst/>
+          </a:prstGeom>
+          <a:noFill/>
+          <a:extLst>
+            <a:ext uri="{909E8E84-426E-40DD-AFC4-6F175D3DCCD1}">
+              <a14:hiddenFill xmlns:a14="http://schemas.microsoft.com/office/drawing/2010/main">
+                <a:solidFill>
+                  <a:srgbClr val="FFFFFF"/>
+                </a:solidFill>
+              </a14:hiddenFill>
+            </a:ext>
+          </a:extLst>
+        </p:spPr>
+      </p:pic>
+      <p:cxnSp>
+        <p:nvCxnSpPr>
+          <p:cNvPr id="11" name="Conector recto de flecha 10"/>
+          <p:cNvCxnSpPr>
+            <a:endCxn id="13" idx="0"/>
+          </p:cNvCxnSpPr>
+          <p:nvPr/>
+        </p:nvCxnSpPr>
+        <p:spPr>
+          <a:xfrm>
+            <a:off x="7026274" y="2888710"/>
+            <a:ext cx="1" cy="700617"/>
+          </a:xfrm>
+          <a:prstGeom prst="straightConnector1">
+            <a:avLst/>
+          </a:prstGeom>
+          <a:ln>
+            <a:tailEnd type="triangle"/>
+          </a:ln>
+        </p:spPr>
+        <p:style>
+          <a:lnRef idx="1">
+            <a:schemeClr val="accent1"/>
+          </a:lnRef>
+          <a:fillRef idx="0">
+            <a:schemeClr val="accent1"/>
+          </a:fillRef>
+          <a:effectRef idx="0">
+            <a:schemeClr val="accent1"/>
+          </a:effectRef>
+          <a:fontRef idx="minor">
+            <a:schemeClr val="tx1"/>
+          </a:fontRef>
+        </p:style>
+      </p:cxnSp>
+      <p:sp>
+        <p:nvSpPr>
+          <p:cNvPr id="13" name="Rectángulo 12"/>
+          <p:cNvSpPr/>
+          <p:nvPr/>
+        </p:nvSpPr>
+        <p:spPr>
+          <a:xfrm>
+            <a:off x="6743986" y="3589327"/>
+            <a:ext cx="564578" cy="307777"/>
+          </a:xfrm>
+          <a:prstGeom prst="rect">
+            <a:avLst/>
+          </a:prstGeom>
+        </p:spPr>
+        <p:txBody>
+          <a:bodyPr wrap="none">
+            <a:spAutoFit/>
+          </a:bodyPr>
+          <a:lstStyle/>
+          <a:p>
+            <a:r>
+              <a:rPr lang="es-ES" b="1" i="1" dirty="0"/>
+              <a:t>USB</a:t>
+            </a:r>
+            <a:endParaRPr lang="es-CO" dirty="0"/>
+          </a:p>
+        </p:txBody>
+      </p:sp>
+      <p:pic>
+        <p:nvPicPr>
+          <p:cNvPr id="14" name="Picture 2" descr="Resultado de imagen para PC icon png"/>
+          <p:cNvPicPr>
+            <a:picLocks noChangeAspect="1" noChangeArrowheads="1"/>
+          </p:cNvPicPr>
+          <p:nvPr/>
+        </p:nvPicPr>
+        <p:blipFill>
+          <a:blip r:embed="rId3">
+            <a:extLst>
+              <a:ext uri="{28A0092B-C50C-407E-A947-70E740481C1C}">
+                <a14:useLocalDpi xmlns:a14="http://schemas.microsoft.com/office/drawing/2010/main" val="0"/>
+              </a:ext>
+            </a:extLst>
+          </a:blip>
+          <a:srcRect/>
+          <a:stretch>
+            <a:fillRect/>
+          </a:stretch>
+        </p:blipFill>
+        <p:spPr bwMode="auto">
+          <a:xfrm>
+            <a:off x="6389687" y="3697497"/>
+            <a:ext cx="1273175" cy="1273175"/>
+          </a:xfrm>
+          <a:prstGeom prst="rect">
+            <a:avLst/>
+          </a:prstGeom>
+          <a:noFill/>
+          <a:extLst>
+            <a:ext uri="{909E8E84-426E-40DD-AFC4-6F175D3DCCD1}">
+              <a14:hiddenFill xmlns:a14="http://schemas.microsoft.com/office/drawing/2010/main">
+                <a:solidFill>
+                  <a:srgbClr val="FFFFFF"/>
+                </a:solidFill>
+              </a14:hiddenFill>
+            </a:ext>
+          </a:extLst>
+        </p:spPr>
+      </p:pic>
+    </p:spTree>
+    <p:extLst>
+      <p:ext uri="{BB962C8B-B14F-4D97-AF65-F5344CB8AC3E}">
+        <p14:creationId xmlns:p14="http://schemas.microsoft.com/office/powerpoint/2010/main" val="2850384441"/>
+      </p:ext>
+    </p:extLst>
+  </p:cSld>
+  <p:clrMapOvr>
+    <a:masterClrMapping/>
+  </p:clrMapOvr>
 </p:sld>
 </file>
 
@@ -6848,7 +7157,7 @@
           <a:lstStyle/>
           <a:p>
             <a:r>
-              <a:rPr lang="es-ES" dirty="0" err="1" smtClean="0"/>
+              <a:rPr lang="es-ES" dirty="0" err="1"/>
               <a:t>Arduino</a:t>
             </a:r>
             <a:endParaRPr lang="es-CO" dirty="0"/>
@@ -6884,13 +7193,6 @@
   <p:clrMapOvr>
     <a:masterClrMapping/>
   </p:clrMapOvr>
-  <p:timing>
-    <p:tnLst>
-      <p:par>
-        <p:cTn id="1" dur="indefinite" restart="never" nodeType="tmRoot"/>
-      </p:par>
-    </p:tnLst>
-  </p:timing>
 </p:sld>
 </file>
 
@@ -6992,18 +7294,13 @@
           <a:lstStyle/>
           <a:p>
             <a:r>
-              <a:rPr lang="en-US" dirty="0" smtClean="0">
+              <a:rPr lang="en-US" dirty="0">
                 <a:solidFill>
                   <a:schemeClr val="tx1"/>
                 </a:solidFill>
               </a:rPr>
               <a:t>ARDUINO</a:t>
             </a:r>
-            <a:endParaRPr lang="en-US" dirty="0">
-              <a:solidFill>
-                <a:schemeClr val="tx1"/>
-              </a:solidFill>
-            </a:endParaRPr>
           </a:p>
         </p:txBody>
       </p:sp>
@@ -7069,13 +7366,6 @@
   <p:clrMapOvr>
     <a:masterClrMapping/>
   </p:clrMapOvr>
-  <p:timing>
-    <p:tnLst>
-      <p:par>
-        <p:cTn id="1" dur="indefinite" restart="never" nodeType="tmRoot"/>
-      </p:par>
-    </p:tnLst>
-  </p:timing>
 </p:sld>
 </file>
 
@@ -7112,7 +7402,7 @@
           <a:lstStyle/>
           <a:p>
             <a:r>
-              <a:rPr lang="es-ES" dirty="0" smtClean="0">
+              <a:rPr lang="es-ES" dirty="0">
                 <a:solidFill>
                   <a:schemeClr val="tx1"/>
                 </a:solidFill>
@@ -7148,23 +7438,23 @@
           <a:lstStyle/>
           <a:p>
             <a:r>
-              <a:rPr lang="es-CO" dirty="0" smtClean="0"/>
+              <a:rPr lang="es-CO" dirty="0"/>
               <a:t>Es una compañía que produce </a:t>
             </a:r>
             <a:r>
-              <a:rPr lang="es-CO" b="1" i="1" dirty="0" smtClean="0"/>
+              <a:rPr lang="es-CO" b="1" i="1" dirty="0"/>
               <a:t>PLACAS DE DESARROLLO DE HARDWARE</a:t>
             </a:r>
           </a:p>
           <a:p>
-            <a:endParaRPr lang="es-ES" b="1" i="1" dirty="0" smtClean="0"/>
+            <a:endParaRPr lang="es-ES" b="1" i="1" dirty="0"/>
           </a:p>
           <a:p>
             <a:endParaRPr lang="es-CO" b="1" i="1" dirty="0"/>
           </a:p>
           <a:p>
             <a:r>
-              <a:rPr lang="es-CO" dirty="0" smtClean="0"/>
+              <a:rPr lang="es-CO" dirty="0"/>
               <a:t>Hay diferentes placas en el mercado. Una placa provee mas funciones que la otra.</a:t>
             </a:r>
           </a:p>
@@ -7172,23 +7462,23 @@
             <a:endParaRPr lang="es-ES" dirty="0"/>
           </a:p>
           <a:p>
-            <a:endParaRPr lang="es-CO" dirty="0" smtClean="0"/>
-          </a:p>
-          <a:p>
-            <a:r>
-              <a:rPr lang="es-ES" b="1" i="1" dirty="0" smtClean="0"/>
+            <a:endParaRPr lang="es-CO" dirty="0"/>
+          </a:p>
+          <a:p>
+            <a:r>
+              <a:rPr lang="es-ES" b="1" i="1" dirty="0"/>
               <a:t>ARDUINO UNO</a:t>
             </a:r>
             <a:r>
-              <a:rPr lang="es-ES" dirty="0" smtClean="0"/>
+              <a:rPr lang="es-ES" dirty="0"/>
               <a:t>, por ejemplo es una tarjeta simple con posibilidades de crear aplicaciones de </a:t>
             </a:r>
             <a:r>
-              <a:rPr lang="es-ES" dirty="0" err="1" smtClean="0"/>
+              <a:rPr lang="es-ES" dirty="0" err="1"/>
               <a:t>robotica</a:t>
             </a:r>
             <a:r>
-              <a:rPr lang="es-ES" dirty="0" smtClean="0"/>
+              <a:rPr lang="es-ES" dirty="0"/>
               <a:t>, domótica y automatización</a:t>
             </a:r>
             <a:endParaRPr lang="es-CO" b="1" i="1" dirty="0"/>
@@ -7249,13 +7539,6 @@
   <p:clrMapOvr>
     <a:masterClrMapping/>
   </p:clrMapOvr>
-  <p:timing>
-    <p:tnLst>
-      <p:par>
-        <p:cTn id="1" dur="indefinite" restart="never" nodeType="tmRoot"/>
-      </p:par>
-    </p:tnLst>
-  </p:timing>
 </p:sld>
 </file>
 
@@ -7292,7 +7575,7 @@
           <a:lstStyle/>
           <a:p>
             <a:r>
-              <a:rPr lang="es-ES" dirty="0" smtClean="0">
+              <a:rPr lang="es-ES" dirty="0">
                 <a:solidFill>
                   <a:schemeClr val="tx1"/>
                 </a:solidFill>
@@ -7328,7 +7611,7 @@
           <a:lstStyle/>
           <a:p>
             <a:r>
-              <a:rPr lang="es-ES" dirty="0" smtClean="0"/>
+              <a:rPr lang="es-ES" dirty="0"/>
               <a:t>La anatomía simple de ARDUINO consta de un microprocesador.</a:t>
             </a:r>
           </a:p>
@@ -7336,11 +7619,11 @@
             <a:endParaRPr lang="es-ES" b="1" i="1" dirty="0"/>
           </a:p>
           <a:p>
-            <a:endParaRPr lang="es-ES" b="1" i="1" dirty="0" smtClean="0"/>
-          </a:p>
-          <a:p>
-            <a:r>
-              <a:rPr lang="es-ES" b="1" i="1" dirty="0" smtClean="0"/>
+            <a:endParaRPr lang="es-ES" b="1" i="1" dirty="0"/>
+          </a:p>
+          <a:p>
+            <a:r>
+              <a:rPr lang="es-ES" b="1" i="1" dirty="0"/>
               <a:t>Los microprocesadores pueden leer datos y producir datos!</a:t>
             </a:r>
           </a:p>
@@ -7348,11 +7631,11 @@
             <a:endParaRPr lang="es-ES" b="1" i="1" dirty="0"/>
           </a:p>
           <a:p>
-            <a:endParaRPr lang="es-ES" b="1" i="1" dirty="0" smtClean="0"/>
-          </a:p>
-          <a:p>
-            <a:r>
-              <a:rPr lang="es-ES" b="1" i="1" dirty="0" smtClean="0"/>
+            <a:endParaRPr lang="es-ES" b="1" i="1" dirty="0"/>
+          </a:p>
+          <a:p>
+            <a:r>
+              <a:rPr lang="es-ES" b="1" i="1" dirty="0"/>
               <a:t>Los datos pueden ser analógicos o digitales</a:t>
             </a:r>
             <a:endParaRPr lang="es-CO" b="1" i="1" dirty="0"/>
@@ -7441,7 +7724,7 @@
           <a:p>
             <a:pPr algn="ctr"/>
             <a:r>
-              <a:rPr lang="es-ES" dirty="0" smtClean="0"/>
+              <a:rPr lang="es-ES" dirty="0"/>
               <a:t>Micro</a:t>
             </a:r>
           </a:p>
@@ -7484,7 +7767,7 @@
           <a:p>
             <a:pPr algn="ctr"/>
             <a:r>
-              <a:rPr lang="es-ES" dirty="0" smtClean="0"/>
+              <a:rPr lang="es-ES" dirty="0"/>
               <a:t>IO análoga</a:t>
             </a:r>
           </a:p>
@@ -7527,7 +7810,7 @@
           <a:p>
             <a:pPr algn="ctr"/>
             <a:r>
-              <a:rPr lang="es-ES" dirty="0" smtClean="0"/>
+              <a:rPr lang="es-ES" dirty="0"/>
               <a:t>IO digital</a:t>
             </a:r>
           </a:p>
@@ -7570,7 +7853,7 @@
           <a:p>
             <a:pPr algn="ctr"/>
             <a:r>
-              <a:rPr lang="es-ES" dirty="0" smtClean="0"/>
+              <a:rPr lang="es-ES" dirty="0"/>
               <a:t>POWER</a:t>
             </a:r>
           </a:p>
@@ -7729,7 +8012,7 @@
           <a:p>
             <a:pPr algn="ctr"/>
             <a:r>
-              <a:rPr lang="es-ES" dirty="0" smtClean="0"/>
+              <a:rPr lang="es-ES" dirty="0"/>
               <a:t>Power</a:t>
             </a:r>
           </a:p>
@@ -7745,13 +8028,6 @@
   <p:clrMapOvr>
     <a:masterClrMapping/>
   </p:clrMapOvr>
-  <p:timing>
-    <p:tnLst>
-      <p:par>
-        <p:cTn id="1" dur="indefinite" restart="never" nodeType="tmRoot"/>
-      </p:par>
-    </p:tnLst>
-  </p:timing>
 </p:sld>
 </file>
 
@@ -7788,7 +8064,7 @@
           <a:lstStyle/>
           <a:p>
             <a:r>
-              <a:rPr lang="es-ES" dirty="0" smtClean="0">
+              <a:rPr lang="es-ES" dirty="0">
                 <a:solidFill>
                   <a:schemeClr val="tx1"/>
                 </a:solidFill>
@@ -7824,15 +8100,15 @@
           <a:lstStyle/>
           <a:p>
             <a:r>
-              <a:rPr lang="es-ES" dirty="0" smtClean="0"/>
+              <a:rPr lang="es-ES" dirty="0"/>
               <a:t>La conexión simple de </a:t>
             </a:r>
             <a:r>
-              <a:rPr lang="es-ES" dirty="0" err="1" smtClean="0"/>
+              <a:rPr lang="es-ES" dirty="0" err="1"/>
               <a:t>Arduino</a:t>
             </a:r>
             <a:r>
-              <a:rPr lang="es-ES" dirty="0" smtClean="0"/>
+              <a:rPr lang="es-ES" dirty="0"/>
               <a:t> es usar un cable USB para alimentarlo a través del PC.</a:t>
             </a:r>
           </a:p>
@@ -7840,27 +8116,27 @@
             <a:endParaRPr lang="es-ES" b="1" i="1" dirty="0"/>
           </a:p>
           <a:p>
-            <a:endParaRPr lang="es-ES" b="1" i="1" dirty="0" smtClean="0"/>
-          </a:p>
-          <a:p>
-            <a:r>
-              <a:rPr lang="es-ES" b="1" i="1" dirty="0" smtClean="0"/>
+            <a:endParaRPr lang="es-ES" b="1" i="1" dirty="0"/>
+          </a:p>
+          <a:p>
+            <a:r>
+              <a:rPr lang="es-ES" b="1" i="1" dirty="0"/>
               <a:t>Usando los pines IO del </a:t>
             </a:r>
             <a:r>
-              <a:rPr lang="es-ES" b="1" i="1" dirty="0" err="1" smtClean="0"/>
+              <a:rPr lang="es-ES" b="1" i="1" dirty="0" err="1"/>
               <a:t>Arduino</a:t>
             </a:r>
             <a:r>
-              <a:rPr lang="es-ES" b="1" i="1" dirty="0" smtClean="0"/>
+              <a:rPr lang="es-ES" b="1" i="1" dirty="0"/>
               <a:t>, se conectan elementos a </a:t>
             </a:r>
             <a:r>
-              <a:rPr lang="es-ES" b="1" i="1" dirty="0" err="1" smtClean="0"/>
+              <a:rPr lang="es-ES" b="1" i="1" dirty="0" err="1"/>
               <a:t>arduino</a:t>
             </a:r>
             <a:r>
-              <a:rPr lang="es-ES" b="1" i="1" dirty="0" smtClean="0"/>
+              <a:rPr lang="es-ES" b="1" i="1" dirty="0"/>
               <a:t>.</a:t>
             </a:r>
           </a:p>
@@ -7868,11 +8144,11 @@
             <a:endParaRPr lang="es-ES" b="1" i="1" dirty="0"/>
           </a:p>
           <a:p>
-            <a:endParaRPr lang="es-ES" b="1" i="1" dirty="0" smtClean="0"/>
-          </a:p>
-          <a:p>
-            <a:r>
-              <a:rPr lang="es-ES" b="1" i="1" dirty="0" smtClean="0"/>
+            <a:endParaRPr lang="es-ES" b="1" i="1" dirty="0"/>
+          </a:p>
+          <a:p>
+            <a:r>
+              <a:rPr lang="es-ES" b="1" i="1" dirty="0"/>
               <a:t>¿Pero qué elementos se conectan y cómo?</a:t>
             </a:r>
             <a:endParaRPr lang="es-CO" b="1" i="1" dirty="0"/>
@@ -8052,7 +8328,7 @@
           <a:lstStyle/>
           <a:p>
             <a:r>
-              <a:rPr lang="es-ES" dirty="0" smtClean="0"/>
+              <a:rPr lang="es-ES" dirty="0"/>
               <a:t>PC</a:t>
             </a:r>
             <a:endParaRPr lang="es-CO" dirty="0"/>
@@ -8159,7 +8435,7 @@
           <a:lstStyle/>
           <a:p>
             <a:r>
-              <a:rPr lang="es-ES" dirty="0" smtClean="0"/>
+              <a:rPr lang="es-ES" dirty="0"/>
               <a:t>PROTOBOARD</a:t>
             </a:r>
             <a:endParaRPr lang="es-CO" dirty="0"/>
@@ -8176,13 +8452,6 @@
   <p:clrMapOvr>
     <a:masterClrMapping/>
   </p:clrMapOvr>
-  <p:timing>
-    <p:tnLst>
-      <p:par>
-        <p:cTn id="1" dur="indefinite" restart="never" nodeType="tmRoot"/>
-      </p:par>
-    </p:tnLst>
-  </p:timing>
 </p:sld>
 </file>
 
@@ -8219,7 +8488,7 @@
           <a:lstStyle/>
           <a:p>
             <a:r>
-              <a:rPr lang="es-ES" dirty="0" smtClean="0"/>
+              <a:rPr lang="es-ES" dirty="0"/>
               <a:t>ELEMENTOS DE ENTRADA</a:t>
             </a:r>
             <a:endParaRPr lang="es-CO" dirty="0"/>
@@ -8242,7 +8511,7 @@
           <a:lstStyle/>
           <a:p>
             <a:r>
-              <a:rPr lang="es-ES" dirty="0" smtClean="0"/>
+              <a:rPr lang="es-ES" dirty="0"/>
               <a:t>SENSORES</a:t>
             </a:r>
             <a:endParaRPr lang="es-CO" dirty="0"/>
@@ -8259,13 +8528,6 @@
   <p:clrMapOvr>
     <a:masterClrMapping/>
   </p:clrMapOvr>
-  <p:timing>
-    <p:tnLst>
-      <p:par>
-        <p:cTn id="1" dur="indefinite" restart="never" nodeType="tmRoot"/>
-      </p:par>
-    </p:tnLst>
-  </p:timing>
 </p:sld>
 </file>
 
@@ -8302,7 +8564,7 @@
           <a:lstStyle/>
           <a:p>
             <a:r>
-              <a:rPr lang="es-ES" dirty="0" smtClean="0">
+              <a:rPr lang="es-ES" dirty="0">
                 <a:solidFill>
                   <a:schemeClr val="tx1"/>
                 </a:solidFill>
@@ -8338,52 +8600,52 @@
           <a:lstStyle/>
           <a:p>
             <a:r>
-              <a:rPr lang="es-ES" dirty="0" smtClean="0"/>
+              <a:rPr lang="es-ES" dirty="0"/>
               <a:t>Los sensores son elementos de entrada</a:t>
             </a:r>
           </a:p>
           <a:p>
-            <a:endParaRPr lang="es-ES" dirty="0" smtClean="0"/>
-          </a:p>
-          <a:p>
             <a:endParaRPr lang="es-ES" dirty="0"/>
           </a:p>
           <a:p>
-            <a:r>
-              <a:rPr lang="es-ES" dirty="0" smtClean="0"/>
+            <a:endParaRPr lang="es-ES" dirty="0"/>
+          </a:p>
+          <a:p>
+            <a:r>
+              <a:rPr lang="es-ES" dirty="0"/>
               <a:t>Significa que el </a:t>
             </a:r>
             <a:r>
-              <a:rPr lang="es-ES" dirty="0" err="1" smtClean="0"/>
+              <a:rPr lang="es-ES" dirty="0" err="1"/>
               <a:t>Arduino</a:t>
             </a:r>
             <a:r>
-              <a:rPr lang="es-ES" dirty="0" smtClean="0"/>
+              <a:rPr lang="es-ES" dirty="0"/>
               <a:t> los va a poder </a:t>
             </a:r>
             <a:r>
-              <a:rPr lang="es-ES" b="1" i="1" dirty="0" smtClean="0"/>
+              <a:rPr lang="es-ES" b="1" i="1" dirty="0"/>
               <a:t>LEER</a:t>
             </a:r>
-            <a:endParaRPr lang="es-ES" dirty="0" smtClean="0"/>
+            <a:endParaRPr lang="es-ES" dirty="0"/>
           </a:p>
           <a:p>
             <a:endParaRPr lang="es-ES" b="1" i="1" dirty="0"/>
           </a:p>
           <a:p>
-            <a:endParaRPr lang="es-ES" b="1" i="1" dirty="0" smtClean="0"/>
-          </a:p>
-          <a:p>
-            <a:r>
-              <a:rPr lang="es-ES" b="1" i="1" dirty="0" smtClean="0"/>
+            <a:endParaRPr lang="es-ES" b="1" i="1" dirty="0"/>
+          </a:p>
+          <a:p>
+            <a:r>
+              <a:rPr lang="es-ES" b="1" i="1" dirty="0"/>
               <a:t>Realmente, lo que el </a:t>
             </a:r>
             <a:r>
-              <a:rPr lang="es-ES" b="1" i="1" dirty="0" err="1" smtClean="0"/>
+              <a:rPr lang="es-ES" b="1" i="1" dirty="0" err="1"/>
               <a:t>Arduino</a:t>
             </a:r>
             <a:r>
-              <a:rPr lang="es-ES" b="1" i="1" dirty="0" smtClean="0"/>
+              <a:rPr lang="es-ES" b="1" i="1" dirty="0"/>
               <a:t> lee son voltajes producidos por los diversos sensores.</a:t>
             </a:r>
             <a:r>
@@ -8417,7 +8679,7 @@
           <a:p>
             <a:pPr algn="ctr"/>
             <a:r>
-              <a:rPr lang="es-ES" sz="2800" b="1" i="1" dirty="0" smtClean="0"/>
+              <a:rPr lang="es-ES" sz="2800" b="1" i="1" dirty="0"/>
               <a:t>¿Qué sensores conoce usted?</a:t>
             </a:r>
             <a:endParaRPr lang="es-CO" sz="2800" b="1" i="1" dirty="0"/>
@@ -8537,13 +8799,6 @@
   <p:clrMapOvr>
     <a:masterClrMapping/>
   </p:clrMapOvr>
-  <p:timing>
-    <p:tnLst>
-      <p:par>
-        <p:cTn id="1" dur="indefinite" restart="never" nodeType="tmRoot"/>
-      </p:par>
-    </p:tnLst>
-  </p:timing>
 </p:sld>
 </file>
 
@@ -8580,7 +8835,7 @@
           <a:lstStyle/>
           <a:p>
             <a:r>
-              <a:rPr lang="es-ES" dirty="0" smtClean="0"/>
+              <a:rPr lang="es-ES" dirty="0"/>
               <a:t>ELEMENTOS DE SALIDA</a:t>
             </a:r>
             <a:endParaRPr lang="es-CO" dirty="0"/>
@@ -8603,7 +8858,7 @@
           <a:lstStyle/>
           <a:p>
             <a:r>
-              <a:rPr lang="es-ES" dirty="0" smtClean="0"/>
+              <a:rPr lang="es-ES" dirty="0"/>
               <a:t>ACTUADORES</a:t>
             </a:r>
             <a:endParaRPr lang="es-CO" dirty="0"/>
@@ -8620,13 +8875,6 @@
   <p:clrMapOvr>
     <a:masterClrMapping/>
   </p:clrMapOvr>
-  <p:timing>
-    <p:tnLst>
-      <p:par>
-        <p:cTn id="1" dur="indefinite" restart="never" nodeType="tmRoot"/>
-      </p:par>
-    </p:tnLst>
-  </p:timing>
 </p:sld>
 </file>
 

--- a/Semana 1/Arduino.pptx
+++ b/Semana 1/Arduino.pptx
@@ -1172,7 +1172,7 @@
           <a:p>
             <a:fld id="{33D65C4C-E6C6-1D47-AF12-AE806350355C}" type="datetimeFigureOut">
               <a:rPr lang="en-US" smtClean="0"/>
-              <a:t>1/20/2020</a:t>
+              <a:t>1/23/2020</a:t>
             </a:fld>
             <a:endParaRPr lang="en-US"/>
           </a:p>
@@ -1444,7 +1444,7 @@
           <a:p>
             <a:fld id="{33D65C4C-E6C6-1D47-AF12-AE806350355C}" type="datetimeFigureOut">
               <a:rPr lang="en-US" smtClean="0"/>
-              <a:t>1/20/2020</a:t>
+              <a:t>1/23/2020</a:t>
             </a:fld>
             <a:endParaRPr lang="en-US"/>
           </a:p>
@@ -1689,7 +1689,7 @@
           <a:p>
             <a:fld id="{33D65C4C-E6C6-1D47-AF12-AE806350355C}" type="datetimeFigureOut">
               <a:rPr lang="en-US" smtClean="0"/>
-              <a:t>1/20/2020</a:t>
+              <a:t>1/23/2020</a:t>
             </a:fld>
             <a:endParaRPr lang="en-US"/>
           </a:p>
@@ -2306,7 +2306,7 @@
           <a:p>
             <a:fld id="{33D65C4C-E6C6-1D47-AF12-AE806350355C}" type="datetimeFigureOut">
               <a:rPr lang="en-US" smtClean="0"/>
-              <a:t>1/20/2020</a:t>
+              <a:t>1/23/2020</a:t>
             </a:fld>
             <a:endParaRPr lang="en-US"/>
           </a:p>
@@ -2623,7 +2623,7 @@
           <a:p>
             <a:fld id="{33D65C4C-E6C6-1D47-AF12-AE806350355C}" type="datetimeFigureOut">
               <a:rPr lang="en-US" smtClean="0"/>
-              <a:t>1/20/2020</a:t>
+              <a:t>1/23/2020</a:t>
             </a:fld>
             <a:endParaRPr lang="en-US"/>
           </a:p>
@@ -2935,7 +2935,7 @@
           <a:p>
             <a:fld id="{33D65C4C-E6C6-1D47-AF12-AE806350355C}" type="datetimeFigureOut">
               <a:rPr lang="en-US" smtClean="0"/>
-              <a:t>1/20/2020</a:t>
+              <a:t>1/23/2020</a:t>
             </a:fld>
             <a:endParaRPr lang="en-US"/>
           </a:p>
@@ -3372,7 +3372,7 @@
           <a:p>
             <a:fld id="{33D65C4C-E6C6-1D47-AF12-AE806350355C}" type="datetimeFigureOut">
               <a:rPr lang="en-US" smtClean="0"/>
-              <a:t>1/20/2020</a:t>
+              <a:t>1/23/2020</a:t>
             </a:fld>
             <a:endParaRPr lang="en-US"/>
           </a:p>
@@ -3549,7 +3549,7 @@
           <a:p>
             <a:fld id="{33D65C4C-E6C6-1D47-AF12-AE806350355C}" type="datetimeFigureOut">
               <a:rPr lang="en-US" smtClean="0"/>
-              <a:t>1/20/2020</a:t>
+              <a:t>1/23/2020</a:t>
             </a:fld>
             <a:endParaRPr lang="en-US"/>
           </a:p>
@@ -3654,7 +3654,7 @@
           <a:p>
             <a:fld id="{33D65C4C-E6C6-1D47-AF12-AE806350355C}" type="datetimeFigureOut">
               <a:rPr lang="en-US" smtClean="0"/>
-              <a:t>1/20/2020</a:t>
+              <a:t>1/23/2020</a:t>
             </a:fld>
             <a:endParaRPr lang="en-US"/>
           </a:p>
@@ -4041,7 +4041,7 @@
           <a:p>
             <a:fld id="{33D65C4C-E6C6-1D47-AF12-AE806350355C}" type="datetimeFigureOut">
               <a:rPr lang="en-US" smtClean="0"/>
-              <a:t>1/20/2020</a:t>
+              <a:t>1/23/2020</a:t>
             </a:fld>
             <a:endParaRPr lang="en-US"/>
           </a:p>
@@ -4345,7 +4345,7 @@
           <a:p>
             <a:fld id="{33D65C4C-E6C6-1D47-AF12-AE806350355C}" type="datetimeFigureOut">
               <a:rPr lang="en-US" smtClean="0"/>
-              <a:t>1/20/2020</a:t>
+              <a:t>1/23/2020</a:t>
             </a:fld>
             <a:endParaRPr lang="en-US"/>
           </a:p>
@@ -4566,7 +4566,7 @@
           <a:p>
             <a:fld id="{33D65C4C-E6C6-1D47-AF12-AE806350355C}" type="datetimeFigureOut">
               <a:rPr lang="en-US" smtClean="0"/>
-              <a:t>1/20/2020</a:t>
+              <a:t>1/23/2020</a:t>
             </a:fld>
             <a:endParaRPr lang="en-US"/>
           </a:p>
